--- a/2.1 - Git it Together.pptx
+++ b/2.1 - Git it Together.pptx
@@ -5,12 +5,15 @@
     <p:sldMasterId id="2147483648" r:id="rId1"/>
   </p:sldMasterIdLst>
   <p:notesMasterIdLst>
-    <p:notesMasterId r:id="rId5"/>
+    <p:notesMasterId r:id="rId8"/>
   </p:notesMasterIdLst>
   <p:sldIdLst>
     <p:sldId id="256" r:id="rId2"/>
     <p:sldId id="259" r:id="rId3"/>
-    <p:sldId id="258" r:id="rId4"/>
+    <p:sldId id="260" r:id="rId4"/>
+    <p:sldId id="261" r:id="rId5"/>
+    <p:sldId id="262" r:id="rId6"/>
+    <p:sldId id="258" r:id="rId7"/>
   </p:sldIdLst>
   <p:sldSz cx="12192000" cy="6858000"/>
   <p:notesSz cx="6858000" cy="9144000"/>
@@ -199,7 +202,7 @@
           <a:p>
             <a:fld id="{8FD8686E-4CCD-5641-90CE-95BB5E605C8A}" type="datetimeFigureOut">
               <a:rPr lang="en-US" smtClean="0"/>
-              <a:t>3/4/23</a:t>
+              <a:t>3/16/23</a:t>
             </a:fld>
             <a:endParaRPr lang="en-US"/>
           </a:p>
@@ -613,7 +616,7 @@
           <a:p>
             <a:fld id="{70E39FE9-AE49-A74A-B8AA-95BED44389A9}" type="datetimeFigureOut">
               <a:rPr lang="en-US" smtClean="0"/>
-              <a:t>3/4/23</a:t>
+              <a:t>3/16/23</a:t>
             </a:fld>
             <a:endParaRPr lang="en-US"/>
           </a:p>
@@ -811,7 +814,7 @@
           <a:p>
             <a:fld id="{70E39FE9-AE49-A74A-B8AA-95BED44389A9}" type="datetimeFigureOut">
               <a:rPr lang="en-US" smtClean="0"/>
-              <a:t>3/4/23</a:t>
+              <a:t>3/16/23</a:t>
             </a:fld>
             <a:endParaRPr lang="en-US"/>
           </a:p>
@@ -1019,7 +1022,7 @@
           <a:p>
             <a:fld id="{70E39FE9-AE49-A74A-B8AA-95BED44389A9}" type="datetimeFigureOut">
               <a:rPr lang="en-US" smtClean="0"/>
-              <a:t>3/4/23</a:t>
+              <a:t>3/16/23</a:t>
             </a:fld>
             <a:endParaRPr lang="en-US"/>
           </a:p>
@@ -1217,7 +1220,7 @@
           <a:p>
             <a:fld id="{70E39FE9-AE49-A74A-B8AA-95BED44389A9}" type="datetimeFigureOut">
               <a:rPr lang="en-US" smtClean="0"/>
-              <a:t>3/4/23</a:t>
+              <a:t>3/16/23</a:t>
             </a:fld>
             <a:endParaRPr lang="en-US"/>
           </a:p>
@@ -1492,7 +1495,7 @@
           <a:p>
             <a:fld id="{70E39FE9-AE49-A74A-B8AA-95BED44389A9}" type="datetimeFigureOut">
               <a:rPr lang="en-US" smtClean="0"/>
-              <a:t>3/4/23</a:t>
+              <a:t>3/16/23</a:t>
             </a:fld>
             <a:endParaRPr lang="en-US"/>
           </a:p>
@@ -1757,7 +1760,7 @@
           <a:p>
             <a:fld id="{70E39FE9-AE49-A74A-B8AA-95BED44389A9}" type="datetimeFigureOut">
               <a:rPr lang="en-US" smtClean="0"/>
-              <a:t>3/4/23</a:t>
+              <a:t>3/16/23</a:t>
             </a:fld>
             <a:endParaRPr lang="en-US"/>
           </a:p>
@@ -2169,7 +2172,7 @@
           <a:p>
             <a:fld id="{70E39FE9-AE49-A74A-B8AA-95BED44389A9}" type="datetimeFigureOut">
               <a:rPr lang="en-US" smtClean="0"/>
-              <a:t>3/4/23</a:t>
+              <a:t>3/16/23</a:t>
             </a:fld>
             <a:endParaRPr lang="en-US"/>
           </a:p>
@@ -2310,7 +2313,7 @@
           <a:p>
             <a:fld id="{70E39FE9-AE49-A74A-B8AA-95BED44389A9}" type="datetimeFigureOut">
               <a:rPr lang="en-US" smtClean="0"/>
-              <a:t>3/4/23</a:t>
+              <a:t>3/16/23</a:t>
             </a:fld>
             <a:endParaRPr lang="en-US"/>
           </a:p>
@@ -2423,7 +2426,7 @@
           <a:p>
             <a:fld id="{70E39FE9-AE49-A74A-B8AA-95BED44389A9}" type="datetimeFigureOut">
               <a:rPr lang="en-US" smtClean="0"/>
-              <a:t>3/4/23</a:t>
+              <a:t>3/16/23</a:t>
             </a:fld>
             <a:endParaRPr lang="en-US"/>
           </a:p>
@@ -2734,7 +2737,7 @@
           <a:p>
             <a:fld id="{70E39FE9-AE49-A74A-B8AA-95BED44389A9}" type="datetimeFigureOut">
               <a:rPr lang="en-US" smtClean="0"/>
-              <a:t>3/4/23</a:t>
+              <a:t>3/16/23</a:t>
             </a:fld>
             <a:endParaRPr lang="en-US"/>
           </a:p>
@@ -3022,7 +3025,7 @@
           <a:p>
             <a:fld id="{70E39FE9-AE49-A74A-B8AA-95BED44389A9}" type="datetimeFigureOut">
               <a:rPr lang="en-US" smtClean="0"/>
-              <a:t>3/4/23</a:t>
+              <a:t>3/16/23</a:t>
             </a:fld>
             <a:endParaRPr lang="en-US"/>
           </a:p>
@@ -3263,7 +3266,7 @@
           <a:p>
             <a:fld id="{70E39FE9-AE49-A74A-B8AA-95BED44389A9}" type="datetimeFigureOut">
               <a:rPr lang="en-US" smtClean="0"/>
-              <a:t>3/4/23</a:t>
+              <a:t>3/16/23</a:t>
             </a:fld>
             <a:endParaRPr lang="en-US"/>
           </a:p>
@@ -4107,6 +4110,347 @@
 </file>
 
 <file path=ppt/slides/slide3.xml><?xml version="1.0" encoding="utf-8"?>
+<p:sld xmlns:a="http://schemas.openxmlformats.org/drawingml/2006/main" xmlns:r="http://schemas.openxmlformats.org/officeDocument/2006/relationships" xmlns:p="http://schemas.openxmlformats.org/presentationml/2006/main">
+  <p:cSld>
+    <p:spTree>
+      <p:nvGrpSpPr>
+        <p:cNvPr id="1" name=""/>
+        <p:cNvGrpSpPr/>
+        <p:nvPr/>
+      </p:nvGrpSpPr>
+      <p:grpSpPr>
+        <a:xfrm>
+          <a:off x="0" y="0"/>
+          <a:ext cx="0" cy="0"/>
+          <a:chOff x="0" y="0"/>
+          <a:chExt cx="0" cy="0"/>
+        </a:xfrm>
+      </p:grpSpPr>
+      <p:sp>
+        <p:nvSpPr>
+          <p:cNvPr id="2" name="Title 1">
+            <a:extLst>
+              <a:ext uri="{FF2B5EF4-FFF2-40B4-BE49-F238E27FC236}">
+                <a16:creationId xmlns:a16="http://schemas.microsoft.com/office/drawing/2014/main" id="{F91CFC77-B1FF-F219-57A8-8966345E7FA6}"/>
+              </a:ext>
+            </a:extLst>
+          </p:cNvPr>
+          <p:cNvSpPr>
+            <a:spLocks noGrp="1"/>
+          </p:cNvSpPr>
+          <p:nvPr>
+            <p:ph type="title"/>
+          </p:nvPr>
+        </p:nvSpPr>
+        <p:spPr/>
+        <p:txBody>
+          <a:bodyPr/>
+          <a:lstStyle/>
+          <a:p>
+            <a:r>
+              <a:rPr lang="en-US" dirty="0"/>
+              <a:t>Vertical versioning</a:t>
+            </a:r>
+          </a:p>
+        </p:txBody>
+      </p:sp>
+      <p:pic>
+        <p:nvPicPr>
+          <p:cNvPr id="5" name="Content Placeholder 4" descr="A picture containing text, electronics&#10;&#10;Description automatically generated">
+            <a:extLst>
+              <a:ext uri="{FF2B5EF4-FFF2-40B4-BE49-F238E27FC236}">
+                <a16:creationId xmlns:a16="http://schemas.microsoft.com/office/drawing/2014/main" id="{805F4AFE-6966-2D0B-2016-1C6698382F9E}"/>
+              </a:ext>
+            </a:extLst>
+          </p:cNvPr>
+          <p:cNvPicPr>
+            <a:picLocks noGrp="1" noChangeAspect="1"/>
+          </p:cNvPicPr>
+          <p:nvPr>
+            <p:ph idx="1"/>
+          </p:nvPr>
+        </p:nvPicPr>
+        <p:blipFill>
+          <a:blip r:embed="rId2"/>
+          <a:stretch>
+            <a:fillRect/>
+          </a:stretch>
+        </p:blipFill>
+        <p:spPr>
+          <a:xfrm>
+            <a:off x="6608501" y="114432"/>
+            <a:ext cx="5583499" cy="6629136"/>
+          </a:xfrm>
+        </p:spPr>
+      </p:pic>
+      <p:sp>
+        <p:nvSpPr>
+          <p:cNvPr id="7" name="TextBox 6">
+            <a:extLst>
+              <a:ext uri="{FF2B5EF4-FFF2-40B4-BE49-F238E27FC236}">
+                <a16:creationId xmlns:a16="http://schemas.microsoft.com/office/drawing/2014/main" id="{B2DB5EF7-0421-C342-F8D8-A765D4191A8E}"/>
+              </a:ext>
+            </a:extLst>
+          </p:cNvPr>
+          <p:cNvSpPr txBox="1"/>
+          <p:nvPr/>
+        </p:nvSpPr>
+        <p:spPr>
+          <a:xfrm>
+            <a:off x="1194619" y="1941381"/>
+            <a:ext cx="3819833" cy="2585323"/>
+          </a:xfrm>
+          <a:prstGeom prst="rect">
+            <a:avLst/>
+          </a:prstGeom>
+          <a:noFill/>
+        </p:spPr>
+        <p:txBody>
+          <a:bodyPr wrap="square" rtlCol="0">
+            <a:spAutoFit/>
+          </a:bodyPr>
+          <a:lstStyle/>
+          <a:p>
+            <a:pPr marL="285750" indent="-285750">
+              <a:buFont typeface="Arial" panose="020B0604020202020204" pitchFamily="34" charset="0"/>
+              <a:buChar char="•"/>
+            </a:pPr>
+            <a:r>
+              <a:rPr lang="en-US" dirty="0"/>
+              <a:t>NEVER lose an old copy of your work</a:t>
+            </a:r>
+          </a:p>
+          <a:p>
+            <a:pPr marL="285750" indent="-285750">
+              <a:buFont typeface="Arial" panose="020B0604020202020204" pitchFamily="34" charset="0"/>
+              <a:buChar char="•"/>
+            </a:pPr>
+            <a:r>
+              <a:rPr lang="en-US" dirty="0"/>
+              <a:t>ONE master/most recent version – updated to be the ‘newest’ version with each commit</a:t>
+            </a:r>
+          </a:p>
+          <a:p>
+            <a:pPr marL="285750" indent="-285750">
+              <a:buFont typeface="Arial" panose="020B0604020202020204" pitchFamily="34" charset="0"/>
+              <a:buChar char="•"/>
+            </a:pPr>
+            <a:r>
+              <a:rPr lang="en-US" dirty="0"/>
+              <a:t>File names DON’T change</a:t>
+            </a:r>
+          </a:p>
+          <a:p>
+            <a:pPr marL="285750" indent="-285750">
+              <a:buFont typeface="Arial" panose="020B0604020202020204" pitchFamily="34" charset="0"/>
+              <a:buChar char="•"/>
+            </a:pPr>
+            <a:r>
+              <a:rPr lang="en-US" dirty="0"/>
+              <a:t>People can be working on different files/branches  - which then are merged back together</a:t>
+            </a:r>
+          </a:p>
+        </p:txBody>
+      </p:sp>
+    </p:spTree>
+    <p:extLst>
+      <p:ext uri="{BB962C8B-B14F-4D97-AF65-F5344CB8AC3E}">
+        <p14:creationId xmlns:p14="http://schemas.microsoft.com/office/powerpoint/2010/main" val="1929168161"/>
+      </p:ext>
+    </p:extLst>
+  </p:cSld>
+  <p:clrMapOvr>
+    <a:masterClrMapping/>
+  </p:clrMapOvr>
+</p:sld>
+</file>
+
+<file path=ppt/slides/slide4.xml><?xml version="1.0" encoding="utf-8"?>
+<p:sld xmlns:a="http://schemas.openxmlformats.org/drawingml/2006/main" xmlns:r="http://schemas.openxmlformats.org/officeDocument/2006/relationships" xmlns:p="http://schemas.openxmlformats.org/presentationml/2006/main">
+  <p:cSld>
+    <p:spTree>
+      <p:nvGrpSpPr>
+        <p:cNvPr id="1" name=""/>
+        <p:cNvGrpSpPr/>
+        <p:nvPr/>
+      </p:nvGrpSpPr>
+      <p:grpSpPr>
+        <a:xfrm>
+          <a:off x="0" y="0"/>
+          <a:ext cx="0" cy="0"/>
+          <a:chOff x="0" y="0"/>
+          <a:chExt cx="0" cy="0"/>
+        </a:xfrm>
+      </p:grpSpPr>
+      <p:sp>
+        <p:nvSpPr>
+          <p:cNvPr id="2" name="Title 1">
+            <a:extLst>
+              <a:ext uri="{FF2B5EF4-FFF2-40B4-BE49-F238E27FC236}">
+                <a16:creationId xmlns:a16="http://schemas.microsoft.com/office/drawing/2014/main" id="{25B410B2-690B-7A6E-41A7-2B91DD1B784F}"/>
+              </a:ext>
+            </a:extLst>
+          </p:cNvPr>
+          <p:cNvSpPr>
+            <a:spLocks noGrp="1"/>
+          </p:cNvSpPr>
+          <p:nvPr>
+            <p:ph type="title"/>
+          </p:nvPr>
+        </p:nvSpPr>
+        <p:spPr/>
+        <p:txBody>
+          <a:bodyPr/>
+          <a:lstStyle/>
+          <a:p>
+            <a:r>
+              <a:rPr lang="en-US" dirty="0"/>
+              <a:t>Code Collaboration</a:t>
+            </a:r>
+          </a:p>
+        </p:txBody>
+      </p:sp>
+      <p:pic>
+        <p:nvPicPr>
+          <p:cNvPr id="4" name="Content Placeholder 4" descr="Graphical user interface, diagram&#10;&#10;Description automatically generated">
+            <a:extLst>
+              <a:ext uri="{FF2B5EF4-FFF2-40B4-BE49-F238E27FC236}">
+                <a16:creationId xmlns:a16="http://schemas.microsoft.com/office/drawing/2014/main" id="{26EE6F5E-BE63-83E8-DE6E-C31016331FDD}"/>
+              </a:ext>
+            </a:extLst>
+          </p:cNvPr>
+          <p:cNvPicPr>
+            <a:picLocks noGrp="1" noChangeAspect="1"/>
+          </p:cNvPicPr>
+          <p:nvPr>
+            <p:ph idx="1"/>
+          </p:nvPr>
+        </p:nvPicPr>
+        <p:blipFill>
+          <a:blip r:embed="rId2"/>
+          <a:stretch>
+            <a:fillRect/>
+          </a:stretch>
+        </p:blipFill>
+        <p:spPr>
+          <a:xfrm>
+            <a:off x="838200" y="2335954"/>
+            <a:ext cx="10515599" cy="3496439"/>
+          </a:xfrm>
+          <a:prstGeom prst="rect">
+            <a:avLst/>
+          </a:prstGeom>
+        </p:spPr>
+      </p:pic>
+    </p:spTree>
+    <p:extLst>
+      <p:ext uri="{BB962C8B-B14F-4D97-AF65-F5344CB8AC3E}">
+        <p14:creationId xmlns:p14="http://schemas.microsoft.com/office/powerpoint/2010/main" val="2545951873"/>
+      </p:ext>
+    </p:extLst>
+  </p:cSld>
+  <p:clrMapOvr>
+    <a:masterClrMapping/>
+  </p:clrMapOvr>
+</p:sld>
+</file>
+
+<file path=ppt/slides/slide5.xml><?xml version="1.0" encoding="utf-8"?>
+<p:sld xmlns:a="http://schemas.openxmlformats.org/drawingml/2006/main" xmlns:r="http://schemas.openxmlformats.org/officeDocument/2006/relationships" xmlns:p="http://schemas.openxmlformats.org/presentationml/2006/main">
+  <p:cSld>
+    <p:spTree>
+      <p:nvGrpSpPr>
+        <p:cNvPr id="1" name=""/>
+        <p:cNvGrpSpPr/>
+        <p:nvPr/>
+      </p:nvGrpSpPr>
+      <p:grpSpPr>
+        <a:xfrm>
+          <a:off x="0" y="0"/>
+          <a:ext cx="0" cy="0"/>
+          <a:chOff x="0" y="0"/>
+          <a:chExt cx="0" cy="0"/>
+        </a:xfrm>
+      </p:grpSpPr>
+      <p:sp>
+        <p:nvSpPr>
+          <p:cNvPr id="2" name="Title 1">
+            <a:extLst>
+              <a:ext uri="{FF2B5EF4-FFF2-40B4-BE49-F238E27FC236}">
+                <a16:creationId xmlns:a16="http://schemas.microsoft.com/office/drawing/2014/main" id="{26DFDEDC-6D2F-E738-0DEF-D8CB25B6FB89}"/>
+              </a:ext>
+            </a:extLst>
+          </p:cNvPr>
+          <p:cNvSpPr>
+            <a:spLocks noGrp="1"/>
+          </p:cNvSpPr>
+          <p:nvPr>
+            <p:ph type="title"/>
+          </p:nvPr>
+        </p:nvSpPr>
+        <p:spPr/>
+        <p:txBody>
+          <a:bodyPr/>
+          <a:lstStyle/>
+          <a:p>
+            <a:r>
+              <a:rPr lang="en-US" dirty="0"/>
+              <a:t>Organized Repository for Reproducibility</a:t>
+            </a:r>
+          </a:p>
+        </p:txBody>
+      </p:sp>
+      <p:sp>
+        <p:nvSpPr>
+          <p:cNvPr id="3" name="Content Placeholder 2">
+            <a:extLst>
+              <a:ext uri="{FF2B5EF4-FFF2-40B4-BE49-F238E27FC236}">
+                <a16:creationId xmlns:a16="http://schemas.microsoft.com/office/drawing/2014/main" id="{CA71034B-8182-27A1-9A57-520D931035F0}"/>
+              </a:ext>
+            </a:extLst>
+          </p:cNvPr>
+          <p:cNvSpPr>
+            <a:spLocks noGrp="1"/>
+          </p:cNvSpPr>
+          <p:nvPr>
+            <p:ph idx="1"/>
+          </p:nvPr>
+        </p:nvSpPr>
+        <p:spPr/>
+        <p:txBody>
+          <a:bodyPr/>
+          <a:lstStyle/>
+          <a:p>
+            <a:r>
+              <a:rPr lang="en-US" dirty="0">
+                <a:hlinkClick r:id="rId2"/>
+              </a:rPr>
+              <a:t>https://github.com/kschaumb/alspac-dex-1-bookdown</a:t>
+            </a:r>
+            <a:endParaRPr lang="en-US" dirty="0"/>
+          </a:p>
+          <a:p>
+            <a:pPr marL="0" indent="0">
+              <a:buNone/>
+            </a:pPr>
+            <a:endParaRPr lang="en-US" dirty="0"/>
+          </a:p>
+        </p:txBody>
+      </p:sp>
+    </p:spTree>
+    <p:extLst>
+      <p:ext uri="{BB962C8B-B14F-4D97-AF65-F5344CB8AC3E}">
+        <p14:creationId xmlns:p14="http://schemas.microsoft.com/office/powerpoint/2010/main" val="1324349757"/>
+      </p:ext>
+    </p:extLst>
+  </p:cSld>
+  <p:clrMapOvr>
+    <a:masterClrMapping/>
+  </p:clrMapOvr>
+</p:sld>
+</file>
+
+<file path=ppt/slides/slide6.xml><?xml version="1.0" encoding="utf-8"?>
 <p:sld xmlns:a="http://schemas.openxmlformats.org/drawingml/2006/main" xmlns:r="http://schemas.openxmlformats.org/officeDocument/2006/relationships" xmlns:p="http://schemas.openxmlformats.org/presentationml/2006/main">
   <p:cSld>
     <p:spTree>

--- a/2.1 - Git it Together.pptx
+++ b/2.1 - Git it Together.pptx
@@ -202,7 +202,7 @@
           <a:p>
             <a:fld id="{8FD8686E-4CCD-5641-90CE-95BB5E605C8A}" type="datetimeFigureOut">
               <a:rPr lang="en-US" smtClean="0"/>
-              <a:t>3/16/23</a:t>
+              <a:t>3/20/23</a:t>
             </a:fld>
             <a:endParaRPr lang="en-US"/>
           </a:p>
@@ -616,7 +616,7 @@
           <a:p>
             <a:fld id="{70E39FE9-AE49-A74A-B8AA-95BED44389A9}" type="datetimeFigureOut">
               <a:rPr lang="en-US" smtClean="0"/>
-              <a:t>3/16/23</a:t>
+              <a:t>3/20/23</a:t>
             </a:fld>
             <a:endParaRPr lang="en-US"/>
           </a:p>
@@ -814,7 +814,7 @@
           <a:p>
             <a:fld id="{70E39FE9-AE49-A74A-B8AA-95BED44389A9}" type="datetimeFigureOut">
               <a:rPr lang="en-US" smtClean="0"/>
-              <a:t>3/16/23</a:t>
+              <a:t>3/20/23</a:t>
             </a:fld>
             <a:endParaRPr lang="en-US"/>
           </a:p>
@@ -1022,7 +1022,7 @@
           <a:p>
             <a:fld id="{70E39FE9-AE49-A74A-B8AA-95BED44389A9}" type="datetimeFigureOut">
               <a:rPr lang="en-US" smtClean="0"/>
-              <a:t>3/16/23</a:t>
+              <a:t>3/20/23</a:t>
             </a:fld>
             <a:endParaRPr lang="en-US"/>
           </a:p>
@@ -1220,7 +1220,7 @@
           <a:p>
             <a:fld id="{70E39FE9-AE49-A74A-B8AA-95BED44389A9}" type="datetimeFigureOut">
               <a:rPr lang="en-US" smtClean="0"/>
-              <a:t>3/16/23</a:t>
+              <a:t>3/20/23</a:t>
             </a:fld>
             <a:endParaRPr lang="en-US"/>
           </a:p>
@@ -1495,7 +1495,7 @@
           <a:p>
             <a:fld id="{70E39FE9-AE49-A74A-B8AA-95BED44389A9}" type="datetimeFigureOut">
               <a:rPr lang="en-US" smtClean="0"/>
-              <a:t>3/16/23</a:t>
+              <a:t>3/20/23</a:t>
             </a:fld>
             <a:endParaRPr lang="en-US"/>
           </a:p>
@@ -1760,7 +1760,7 @@
           <a:p>
             <a:fld id="{70E39FE9-AE49-A74A-B8AA-95BED44389A9}" type="datetimeFigureOut">
               <a:rPr lang="en-US" smtClean="0"/>
-              <a:t>3/16/23</a:t>
+              <a:t>3/20/23</a:t>
             </a:fld>
             <a:endParaRPr lang="en-US"/>
           </a:p>
@@ -2172,7 +2172,7 @@
           <a:p>
             <a:fld id="{70E39FE9-AE49-A74A-B8AA-95BED44389A9}" type="datetimeFigureOut">
               <a:rPr lang="en-US" smtClean="0"/>
-              <a:t>3/16/23</a:t>
+              <a:t>3/20/23</a:t>
             </a:fld>
             <a:endParaRPr lang="en-US"/>
           </a:p>
@@ -2313,7 +2313,7 @@
           <a:p>
             <a:fld id="{70E39FE9-AE49-A74A-B8AA-95BED44389A9}" type="datetimeFigureOut">
               <a:rPr lang="en-US" smtClean="0"/>
-              <a:t>3/16/23</a:t>
+              <a:t>3/20/23</a:t>
             </a:fld>
             <a:endParaRPr lang="en-US"/>
           </a:p>
@@ -2426,7 +2426,7 @@
           <a:p>
             <a:fld id="{70E39FE9-AE49-A74A-B8AA-95BED44389A9}" type="datetimeFigureOut">
               <a:rPr lang="en-US" smtClean="0"/>
-              <a:t>3/16/23</a:t>
+              <a:t>3/20/23</a:t>
             </a:fld>
             <a:endParaRPr lang="en-US"/>
           </a:p>
@@ -2737,7 +2737,7 @@
           <a:p>
             <a:fld id="{70E39FE9-AE49-A74A-B8AA-95BED44389A9}" type="datetimeFigureOut">
               <a:rPr lang="en-US" smtClean="0"/>
-              <a:t>3/16/23</a:t>
+              <a:t>3/20/23</a:t>
             </a:fld>
             <a:endParaRPr lang="en-US"/>
           </a:p>
@@ -3025,7 +3025,7 @@
           <a:p>
             <a:fld id="{70E39FE9-AE49-A74A-B8AA-95BED44389A9}" type="datetimeFigureOut">
               <a:rPr lang="en-US" smtClean="0"/>
-              <a:t>3/16/23</a:t>
+              <a:t>3/20/23</a:t>
             </a:fld>
             <a:endParaRPr lang="en-US"/>
           </a:p>
@@ -3266,7 +3266,7 @@
           <a:p>
             <a:fld id="{70E39FE9-AE49-A74A-B8AA-95BED44389A9}" type="datetimeFigureOut">
               <a:rPr lang="en-US" smtClean="0"/>
-              <a:t>3/16/23</a:t>
+              <a:t>3/20/23</a:t>
             </a:fld>
             <a:endParaRPr lang="en-US"/>
           </a:p>

--- a/2.1 - Git it Together.pptx
+++ b/2.1 - Git it Together.pptx
@@ -202,7 +202,7 @@
           <a:p>
             <a:fld id="{8FD8686E-4CCD-5641-90CE-95BB5E605C8A}" type="datetimeFigureOut">
               <a:rPr lang="en-US" smtClean="0"/>
-              <a:t>3/20/23</a:t>
+              <a:t>3/22/23</a:t>
             </a:fld>
             <a:endParaRPr lang="en-US"/>
           </a:p>
@@ -616,7 +616,7 @@
           <a:p>
             <a:fld id="{70E39FE9-AE49-A74A-B8AA-95BED44389A9}" type="datetimeFigureOut">
               <a:rPr lang="en-US" smtClean="0"/>
-              <a:t>3/20/23</a:t>
+              <a:t>3/22/23</a:t>
             </a:fld>
             <a:endParaRPr lang="en-US"/>
           </a:p>
@@ -814,7 +814,7 @@
           <a:p>
             <a:fld id="{70E39FE9-AE49-A74A-B8AA-95BED44389A9}" type="datetimeFigureOut">
               <a:rPr lang="en-US" smtClean="0"/>
-              <a:t>3/20/23</a:t>
+              <a:t>3/22/23</a:t>
             </a:fld>
             <a:endParaRPr lang="en-US"/>
           </a:p>
@@ -1022,7 +1022,7 @@
           <a:p>
             <a:fld id="{70E39FE9-AE49-A74A-B8AA-95BED44389A9}" type="datetimeFigureOut">
               <a:rPr lang="en-US" smtClean="0"/>
-              <a:t>3/20/23</a:t>
+              <a:t>3/22/23</a:t>
             </a:fld>
             <a:endParaRPr lang="en-US"/>
           </a:p>
@@ -1220,7 +1220,7 @@
           <a:p>
             <a:fld id="{70E39FE9-AE49-A74A-B8AA-95BED44389A9}" type="datetimeFigureOut">
               <a:rPr lang="en-US" smtClean="0"/>
-              <a:t>3/20/23</a:t>
+              <a:t>3/22/23</a:t>
             </a:fld>
             <a:endParaRPr lang="en-US"/>
           </a:p>
@@ -1495,7 +1495,7 @@
           <a:p>
             <a:fld id="{70E39FE9-AE49-A74A-B8AA-95BED44389A9}" type="datetimeFigureOut">
               <a:rPr lang="en-US" smtClean="0"/>
-              <a:t>3/20/23</a:t>
+              <a:t>3/22/23</a:t>
             </a:fld>
             <a:endParaRPr lang="en-US"/>
           </a:p>
@@ -1760,7 +1760,7 @@
           <a:p>
             <a:fld id="{70E39FE9-AE49-A74A-B8AA-95BED44389A9}" type="datetimeFigureOut">
               <a:rPr lang="en-US" smtClean="0"/>
-              <a:t>3/20/23</a:t>
+              <a:t>3/22/23</a:t>
             </a:fld>
             <a:endParaRPr lang="en-US"/>
           </a:p>
@@ -2172,7 +2172,7 @@
           <a:p>
             <a:fld id="{70E39FE9-AE49-A74A-B8AA-95BED44389A9}" type="datetimeFigureOut">
               <a:rPr lang="en-US" smtClean="0"/>
-              <a:t>3/20/23</a:t>
+              <a:t>3/22/23</a:t>
             </a:fld>
             <a:endParaRPr lang="en-US"/>
           </a:p>
@@ -2313,7 +2313,7 @@
           <a:p>
             <a:fld id="{70E39FE9-AE49-A74A-B8AA-95BED44389A9}" type="datetimeFigureOut">
               <a:rPr lang="en-US" smtClean="0"/>
-              <a:t>3/20/23</a:t>
+              <a:t>3/22/23</a:t>
             </a:fld>
             <a:endParaRPr lang="en-US"/>
           </a:p>
@@ -2426,7 +2426,7 @@
           <a:p>
             <a:fld id="{70E39FE9-AE49-A74A-B8AA-95BED44389A9}" type="datetimeFigureOut">
               <a:rPr lang="en-US" smtClean="0"/>
-              <a:t>3/20/23</a:t>
+              <a:t>3/22/23</a:t>
             </a:fld>
             <a:endParaRPr lang="en-US"/>
           </a:p>
@@ -2737,7 +2737,7 @@
           <a:p>
             <a:fld id="{70E39FE9-AE49-A74A-B8AA-95BED44389A9}" type="datetimeFigureOut">
               <a:rPr lang="en-US" smtClean="0"/>
-              <a:t>3/20/23</a:t>
+              <a:t>3/22/23</a:t>
             </a:fld>
             <a:endParaRPr lang="en-US"/>
           </a:p>
@@ -3025,7 +3025,7 @@
           <a:p>
             <a:fld id="{70E39FE9-AE49-A74A-B8AA-95BED44389A9}" type="datetimeFigureOut">
               <a:rPr lang="en-US" smtClean="0"/>
-              <a:t>3/20/23</a:t>
+              <a:t>3/22/23</a:t>
             </a:fld>
             <a:endParaRPr lang="en-US"/>
           </a:p>
@@ -3266,7 +3266,7 @@
           <a:p>
             <a:fld id="{70E39FE9-AE49-A74A-B8AA-95BED44389A9}" type="datetimeFigureOut">
               <a:rPr lang="en-US" smtClean="0"/>
-              <a:t>3/20/23</a:t>
+              <a:t>3/22/23</a:t>
             </a:fld>
             <a:endParaRPr lang="en-US"/>
           </a:p>
@@ -3714,7 +3714,7 @@
         </p:blipFill>
         <p:spPr>
           <a:xfrm>
-            <a:off x="20" y="1"/>
+            <a:off x="6744" y="6725"/>
             <a:ext cx="12191980" cy="6857999"/>
           </a:xfrm>
           <a:prstGeom prst="rect">
@@ -3913,7 +3913,7 @@
                   <a:schemeClr val="tx2"/>
                 </a:solidFill>
               </a:rPr>
-              <a:t> 1 – Lecture 1</a:t>
+              <a:t> 2 – Git it together</a:t>
             </a:r>
           </a:p>
         </p:txBody>
@@ -3983,6 +3983,14 @@
   <p:clrMapOvr>
     <a:overrideClrMapping bg1="dk1" tx1="lt1" bg2="dk2" tx2="lt2" accent1="accent1" accent2="accent2" accent3="accent3" accent4="accent4" accent5="accent5" accent6="accent6" hlink="hlink" folHlink="folHlink"/>
   </p:clrMapOvr>
+  <mc:AlternateContent xmlns:mc="http://schemas.openxmlformats.org/markup-compatibility/2006">
+    <mc:Choice xmlns:p14="http://schemas.microsoft.com/office/powerpoint/2010/main" Requires="p14">
+      <p:transition spd="slow" p14:dur="2000" advTm="22066"/>
+    </mc:Choice>
+    <mc:Fallback>
+      <p:transition spd="slow" advTm="22066"/>
+    </mc:Fallback>
+  </mc:AlternateContent>
 </p:sld>
 </file>
 
@@ -4106,6 +4114,14 @@
   <p:clrMapOvr>
     <a:masterClrMapping/>
   </p:clrMapOvr>
+  <mc:AlternateContent xmlns:mc="http://schemas.openxmlformats.org/markup-compatibility/2006">
+    <mc:Choice xmlns:p14="http://schemas.microsoft.com/office/powerpoint/2010/main" Requires="p14">
+      <p:transition spd="slow" p14:dur="2000" advTm="116943"/>
+    </mc:Choice>
+    <mc:Fallback>
+      <p:transition spd="slow" advTm="116943"/>
+    </mc:Fallback>
+  </mc:AlternateContent>
 </p:sld>
 </file>
 
